--- a/fig/simiload-ttft.pptx
+++ b/fig/simiload-ttft.pptx
@@ -3618,9 +3618,9 @@
         <p:grpSpPr>
           <a:xfrm>
             <a:off x="7107285" y="2042805"/>
-            <a:ext cx="1478284" cy="307777"/>
+            <a:ext cx="1518359" cy="307777"/>
             <a:chOff x="349264" y="1953285"/>
-            <a:chExt cx="1478284" cy="307777"/>
+            <a:chExt cx="1518359" cy="307777"/>
           </a:xfrm>
         </p:grpSpPr>
         <p:sp>
@@ -3695,7 +3695,7 @@
           <p:spPr>
             <a:xfrm>
               <a:off x="668256" y="1953285"/>
-              <a:ext cx="1159292" cy="307777"/>
+              <a:ext cx="1199367" cy="307777"/>
             </a:xfrm>
             <a:prstGeom prst="rect">
               <a:avLst/>
@@ -3720,7 +3720,7 @@
             <a:p>
               <a:r>
                 <a:rPr lang="en-US" altLang="zh-CN" dirty="0"/>
-                <a:t>computation</a:t>
+                <a:t>Computation</a:t>
               </a:r>
               <a:endParaRPr lang="zh-CN" altLang="en-US" dirty="0"/>
             </a:p>
@@ -3960,9 +3960,9 @@
         <p:grpSpPr>
           <a:xfrm>
             <a:off x="4061898" y="2042805"/>
-            <a:ext cx="1698039" cy="307777"/>
+            <a:ext cx="1737472" cy="307777"/>
             <a:chOff x="2275070" y="1964633"/>
-            <a:chExt cx="1698039" cy="307777"/>
+            <a:chExt cx="1737472" cy="307777"/>
           </a:xfrm>
           <a:solidFill>
             <a:schemeClr val="accent5">
@@ -4043,7 +4043,7 @@
           <p:spPr>
             <a:xfrm>
               <a:off x="2594205" y="1964633"/>
-              <a:ext cx="1378904" cy="307777"/>
+              <a:ext cx="1418337" cy="307777"/>
             </a:xfrm>
             <a:prstGeom prst="rect">
               <a:avLst/>
@@ -4068,7 +4068,7 @@
             <a:p>
               <a:r>
                 <a:rPr lang="en-US" altLang="zh-CN" dirty="0"/>
-                <a:t>token</a:t>
+                <a:t>Token</a:t>
               </a:r>
               <a:r>
                 <a:rPr lang="zh-CN" altLang="en-US" dirty="0"/>
@@ -7537,7 +7537,7 @@
         </p:nvSpPr>
         <p:spPr>
           <a:xfrm>
-            <a:off x="4318418" y="4734650"/>
+            <a:off x="4309274" y="4734650"/>
             <a:ext cx="592623" cy="219600"/>
           </a:xfrm>
           <a:prstGeom prst="rect">
@@ -7756,7 +7756,7 @@
         </p:nvSpPr>
         <p:spPr>
           <a:xfrm>
-            <a:off x="4911041" y="4738250"/>
+            <a:off x="4901897" y="4738250"/>
             <a:ext cx="149251" cy="216000"/>
           </a:xfrm>
           <a:prstGeom prst="rect">
@@ -7841,7 +7841,7 @@
               <a:lumOff val="60000"/>
             </a:schemeClr>
           </a:solidFill>
-          <a:ln w="19050">
+          <a:ln w="25400">
             <a:solidFill>
               <a:srgbClr val="C00000"/>
             </a:solidFill>
@@ -7914,7 +7914,7 @@
               <a:lumOff val="60000"/>
             </a:schemeClr>
           </a:solidFill>
-          <a:ln w="19050">
+          <a:ln w="25400">
             <a:solidFill>
               <a:srgbClr val="C00000"/>
             </a:solidFill>
@@ -8636,6 +8636,146 @@
               <a:solidFill>
                 <a:schemeClr val="tx1"/>
               </a:solidFill>
+              <a:latin typeface="Arial" panose="020B0604020202020204" pitchFamily="34" charset="0"/>
+              <a:cs typeface="Arial" panose="020B0604020202020204" pitchFamily="34" charset="0"/>
+            </a:endParaRPr>
+          </a:p>
+        </p:txBody>
+      </p:sp>
+      <p:cxnSp>
+        <p:nvCxnSpPr>
+          <p:cNvPr id="6" name="曲线连接符 5">
+            <a:extLst>
+              <a:ext uri="{FF2B5EF4-FFF2-40B4-BE49-F238E27FC236}">
+                <a16:creationId xmlns:a16="http://schemas.microsoft.com/office/drawing/2014/main" id="{F4D4AB1A-32FD-8951-BC39-06BD94B3963D}"/>
+              </a:ext>
+            </a:extLst>
+          </p:cNvPr>
+          <p:cNvCxnSpPr>
+            <a:cxnSpLocks/>
+            <a:stCxn id="129" idx="0"/>
+            <a:endCxn id="68" idx="0"/>
+          </p:cNvCxnSpPr>
+          <p:nvPr/>
+        </p:nvCxnSpPr>
+        <p:spPr>
+          <a:xfrm rot="5400000" flipH="1" flipV="1">
+            <a:off x="3813348" y="3479230"/>
+            <a:ext cx="249571" cy="598755"/>
+          </a:xfrm>
+          <a:prstGeom prst="curvedConnector3">
+            <a:avLst>
+              <a:gd name="adj1" fmla="val 191597"/>
+            </a:avLst>
+          </a:prstGeom>
+          <a:ln w="22225">
+            <a:solidFill>
+              <a:schemeClr val="tx1"/>
+            </a:solidFill>
+            <a:prstDash val="sysDash"/>
+            <a:tailEnd type="triangle"/>
+          </a:ln>
+        </p:spPr>
+        <p:style>
+          <a:lnRef idx="1">
+            <a:schemeClr val="accent1"/>
+          </a:lnRef>
+          <a:fillRef idx="0">
+            <a:schemeClr val="accent1"/>
+          </a:fillRef>
+          <a:effectRef idx="0">
+            <a:schemeClr val="accent1"/>
+          </a:effectRef>
+          <a:fontRef idx="minor">
+            <a:schemeClr val="tx1"/>
+          </a:fontRef>
+        </p:style>
+      </p:cxnSp>
+      <p:cxnSp>
+        <p:nvCxnSpPr>
+          <p:cNvPr id="10" name="曲线连接符 9">
+            <a:extLst>
+              <a:ext uri="{FF2B5EF4-FFF2-40B4-BE49-F238E27FC236}">
+                <a16:creationId xmlns:a16="http://schemas.microsoft.com/office/drawing/2014/main" id="{D0DF4835-8401-91E3-18FD-091C65FF8A9E}"/>
+              </a:ext>
+            </a:extLst>
+          </p:cNvPr>
+          <p:cNvCxnSpPr>
+            <a:cxnSpLocks/>
+            <a:stCxn id="68" idx="0"/>
+            <a:endCxn id="15" idx="0"/>
+          </p:cNvCxnSpPr>
+          <p:nvPr/>
+        </p:nvCxnSpPr>
+        <p:spPr>
+          <a:xfrm rot="16200000" flipH="1">
+            <a:off x="4221529" y="3669802"/>
+            <a:ext cx="259977" cy="228015"/>
+          </a:xfrm>
+          <a:prstGeom prst="curvedConnector3">
+            <a:avLst>
+              <a:gd name="adj1" fmla="val -87931"/>
+            </a:avLst>
+          </a:prstGeom>
+          <a:ln w="22225">
+            <a:solidFill>
+              <a:schemeClr val="tx1"/>
+            </a:solidFill>
+            <a:prstDash val="sysDash"/>
+            <a:tailEnd type="triangle"/>
+          </a:ln>
+        </p:spPr>
+        <p:style>
+          <a:lnRef idx="1">
+            <a:schemeClr val="accent1"/>
+          </a:lnRef>
+          <a:fillRef idx="0">
+            <a:schemeClr val="accent1"/>
+          </a:fillRef>
+          <a:effectRef idx="0">
+            <a:schemeClr val="accent1"/>
+          </a:effectRef>
+          <a:fontRef idx="minor">
+            <a:schemeClr val="tx1"/>
+          </a:fontRef>
+        </p:style>
+      </p:cxnSp>
+      <p:sp>
+        <p:nvSpPr>
+          <p:cNvPr id="20" name="文本框 19">
+            <a:extLst>
+              <a:ext uri="{FF2B5EF4-FFF2-40B4-BE49-F238E27FC236}">
+                <a16:creationId xmlns:a16="http://schemas.microsoft.com/office/drawing/2014/main" id="{089896E9-BFF1-6C42-04F5-0F5B408B0F52}"/>
+              </a:ext>
+            </a:extLst>
+          </p:cNvPr>
+          <p:cNvSpPr txBox="1"/>
+          <p:nvPr/>
+        </p:nvSpPr>
+        <p:spPr>
+          <a:xfrm>
+            <a:off x="4370144" y="3319390"/>
+            <a:ext cx="1098378" cy="276999"/>
+          </a:xfrm>
+          <a:prstGeom prst="rect">
+            <a:avLst/>
+          </a:prstGeom>
+          <a:noFill/>
+        </p:spPr>
+        <p:txBody>
+          <a:bodyPr wrap="none" rtlCol="0">
+            <a:spAutoFit/>
+          </a:bodyPr>
+          <a:lstStyle/>
+          <a:p>
+            <a:r>
+              <a:rPr kumimoji="1" lang="en" altLang="zh-CN" sz="1200" b="1" i="1" dirty="0">
+                <a:latin typeface="Arial" panose="020B0604020202020204" pitchFamily="34" charset="0"/>
+                <a:cs typeface="Arial" panose="020B0604020202020204" pitchFamily="34" charset="0"/>
+              </a:rPr>
+              <a:t>Dependence</a:t>
+            </a:r>
+            <a:endParaRPr kumimoji="1" lang="zh-CN" altLang="en-US" sz="1200" b="1" i="1" dirty="0">
               <a:latin typeface="Arial" panose="020B0604020202020204" pitchFamily="34" charset="0"/>
               <a:cs typeface="Arial" panose="020B0604020202020204" pitchFamily="34" charset="0"/>
             </a:endParaRPr>

--- a/fig/simiload-ttft.pptx
+++ b/fig/simiload-ttft.pptx
@@ -259,7 +259,7 @@
           <a:p>
             <a:fld id="{EB5F6574-D557-D54A-A64C-35AC5FC0C40C}" type="datetimeFigureOut">
               <a:rPr kumimoji="1" lang="zh-CN" altLang="en-US" smtClean="0"/>
-              <a:t>2025/10/28</a:t>
+              <a:t>2025/10/30</a:t>
             </a:fld>
             <a:endParaRPr kumimoji="1" lang="zh-CN" altLang="en-US"/>
           </a:p>
@@ -457,7 +457,7 @@
           <a:p>
             <a:fld id="{EB5F6574-D557-D54A-A64C-35AC5FC0C40C}" type="datetimeFigureOut">
               <a:rPr kumimoji="1" lang="zh-CN" altLang="en-US" smtClean="0"/>
-              <a:t>2025/10/28</a:t>
+              <a:t>2025/10/30</a:t>
             </a:fld>
             <a:endParaRPr kumimoji="1" lang="zh-CN" altLang="en-US"/>
           </a:p>
@@ -665,7 +665,7 @@
           <a:p>
             <a:fld id="{EB5F6574-D557-D54A-A64C-35AC5FC0C40C}" type="datetimeFigureOut">
               <a:rPr kumimoji="1" lang="zh-CN" altLang="en-US" smtClean="0"/>
-              <a:t>2025/10/28</a:t>
+              <a:t>2025/10/30</a:t>
             </a:fld>
             <a:endParaRPr kumimoji="1" lang="zh-CN" altLang="en-US"/>
           </a:p>
@@ -863,7 +863,7 @@
           <a:p>
             <a:fld id="{EB5F6574-D557-D54A-A64C-35AC5FC0C40C}" type="datetimeFigureOut">
               <a:rPr kumimoji="1" lang="zh-CN" altLang="en-US" smtClean="0"/>
-              <a:t>2025/10/28</a:t>
+              <a:t>2025/10/30</a:t>
             </a:fld>
             <a:endParaRPr kumimoji="1" lang="zh-CN" altLang="en-US"/>
           </a:p>
@@ -1138,7 +1138,7 @@
           <a:p>
             <a:fld id="{EB5F6574-D557-D54A-A64C-35AC5FC0C40C}" type="datetimeFigureOut">
               <a:rPr kumimoji="1" lang="zh-CN" altLang="en-US" smtClean="0"/>
-              <a:t>2025/10/28</a:t>
+              <a:t>2025/10/30</a:t>
             </a:fld>
             <a:endParaRPr kumimoji="1" lang="zh-CN" altLang="en-US"/>
           </a:p>
@@ -1403,7 +1403,7 @@
           <a:p>
             <a:fld id="{EB5F6574-D557-D54A-A64C-35AC5FC0C40C}" type="datetimeFigureOut">
               <a:rPr kumimoji="1" lang="zh-CN" altLang="en-US" smtClean="0"/>
-              <a:t>2025/10/28</a:t>
+              <a:t>2025/10/30</a:t>
             </a:fld>
             <a:endParaRPr kumimoji="1" lang="zh-CN" altLang="en-US"/>
           </a:p>
@@ -1815,7 +1815,7 @@
           <a:p>
             <a:fld id="{EB5F6574-D557-D54A-A64C-35AC5FC0C40C}" type="datetimeFigureOut">
               <a:rPr kumimoji="1" lang="zh-CN" altLang="en-US" smtClean="0"/>
-              <a:t>2025/10/28</a:t>
+              <a:t>2025/10/30</a:t>
             </a:fld>
             <a:endParaRPr kumimoji="1" lang="zh-CN" altLang="en-US"/>
           </a:p>
@@ -1956,7 +1956,7 @@
           <a:p>
             <a:fld id="{EB5F6574-D557-D54A-A64C-35AC5FC0C40C}" type="datetimeFigureOut">
               <a:rPr kumimoji="1" lang="zh-CN" altLang="en-US" smtClean="0"/>
-              <a:t>2025/10/28</a:t>
+              <a:t>2025/10/30</a:t>
             </a:fld>
             <a:endParaRPr kumimoji="1" lang="zh-CN" altLang="en-US"/>
           </a:p>
@@ -2069,7 +2069,7 @@
           <a:p>
             <a:fld id="{EB5F6574-D557-D54A-A64C-35AC5FC0C40C}" type="datetimeFigureOut">
               <a:rPr kumimoji="1" lang="zh-CN" altLang="en-US" smtClean="0"/>
-              <a:t>2025/10/28</a:t>
+              <a:t>2025/10/30</a:t>
             </a:fld>
             <a:endParaRPr kumimoji="1" lang="zh-CN" altLang="en-US"/>
           </a:p>
@@ -2380,7 +2380,7 @@
           <a:p>
             <a:fld id="{EB5F6574-D557-D54A-A64C-35AC5FC0C40C}" type="datetimeFigureOut">
               <a:rPr kumimoji="1" lang="zh-CN" altLang="en-US" smtClean="0"/>
-              <a:t>2025/10/28</a:t>
+              <a:t>2025/10/30</a:t>
             </a:fld>
             <a:endParaRPr kumimoji="1" lang="zh-CN" altLang="en-US"/>
           </a:p>
@@ -2668,7 +2668,7 @@
           <a:p>
             <a:fld id="{EB5F6574-D557-D54A-A64C-35AC5FC0C40C}" type="datetimeFigureOut">
               <a:rPr kumimoji="1" lang="zh-CN" altLang="en-US" smtClean="0"/>
-              <a:t>2025/10/28</a:t>
+              <a:t>2025/10/30</a:t>
             </a:fld>
             <a:endParaRPr kumimoji="1" lang="zh-CN" altLang="en-US"/>
           </a:p>
@@ -2909,7 +2909,7 @@
           <a:p>
             <a:fld id="{EB5F6574-D557-D54A-A64C-35AC5FC0C40C}" type="datetimeFigureOut">
               <a:rPr kumimoji="1" lang="zh-CN" altLang="en-US" smtClean="0"/>
-              <a:t>2025/10/28</a:t>
+              <a:t>2025/10/30</a:t>
             </a:fld>
             <a:endParaRPr kumimoji="1" lang="zh-CN" altLang="en-US"/>
           </a:p>
@@ -4522,7 +4522,7 @@
         </p:nvSpPr>
         <p:spPr>
           <a:xfrm>
-            <a:off x="2648473" y="3903392"/>
+            <a:off x="2648473" y="3910671"/>
             <a:ext cx="144000" cy="219600"/>
           </a:xfrm>
           <a:prstGeom prst="rect">
@@ -4680,7 +4680,7 @@
         </p:nvSpPr>
         <p:spPr>
           <a:xfrm>
-            <a:off x="3286199" y="3902736"/>
+            <a:off x="3286199" y="3910671"/>
             <a:ext cx="280377" cy="219600"/>
           </a:xfrm>
           <a:prstGeom prst="rect">
@@ -5055,7 +5055,7 @@
         </p:nvSpPr>
         <p:spPr>
           <a:xfrm>
-            <a:off x="2983704" y="3903392"/>
+            <a:off x="2983704" y="3910671"/>
             <a:ext cx="297945" cy="219600"/>
           </a:xfrm>
           <a:prstGeom prst="rect">
@@ -5128,7 +5128,7 @@
         </p:nvSpPr>
         <p:spPr>
           <a:xfrm>
-            <a:off x="3566756" y="3903392"/>
+            <a:off x="3566756" y="3910671"/>
             <a:ext cx="144000" cy="219600"/>
           </a:xfrm>
           <a:prstGeom prst="rect">
@@ -5355,15 +5355,7 @@
             <a:p>
               <a:r>
                 <a:rPr lang="en-US" altLang="zh-CN" dirty="0"/>
-                <a:t>Head</a:t>
-              </a:r>
-              <a:r>
-                <a:rPr lang="zh-CN" altLang="en-US" dirty="0"/>
-                <a:t> </a:t>
-              </a:r>
-              <a:r>
-                <a:rPr lang="en-US" altLang="zh-CN" dirty="0"/>
-                <a:t>K</a:t>
+                <a:t>Head-K</a:t>
               </a:r>
               <a:r>
                 <a:rPr lang="zh-CN" altLang="en-US" dirty="0"/>
@@ -5898,7 +5890,7 @@
         </p:nvSpPr>
         <p:spPr>
           <a:xfrm>
-            <a:off x="2816762" y="4738250"/>
+            <a:off x="2816762" y="4727740"/>
             <a:ext cx="149251" cy="216000"/>
           </a:xfrm>
           <a:prstGeom prst="rect">
@@ -6083,7 +6075,7 @@
         </p:nvSpPr>
         <p:spPr>
           <a:xfrm>
-            <a:off x="4316553" y="3913798"/>
+            <a:off x="4316553" y="3910671"/>
             <a:ext cx="297945" cy="219600"/>
           </a:xfrm>
           <a:prstGeom prst="rect">
@@ -6521,7 +6513,7 @@
         </p:nvSpPr>
         <p:spPr>
           <a:xfrm>
-            <a:off x="4613870" y="3915094"/>
+            <a:off x="4613870" y="3910671"/>
             <a:ext cx="280377" cy="219600"/>
           </a:xfrm>
           <a:prstGeom prst="rect">
@@ -6594,7 +6586,7 @@
         </p:nvSpPr>
         <p:spPr>
           <a:xfrm>
-            <a:off x="4891737" y="3918632"/>
+            <a:off x="4891737" y="3910671"/>
             <a:ext cx="144000" cy="219600"/>
           </a:xfrm>
           <a:prstGeom prst="rect">
@@ -6807,7 +6799,7 @@
         </p:nvSpPr>
         <p:spPr>
           <a:xfrm>
-            <a:off x="5635795" y="3902710"/>
+            <a:off x="5635795" y="3910671"/>
             <a:ext cx="297945" cy="219600"/>
           </a:xfrm>
           <a:prstGeom prst="rect">
@@ -6880,7 +6872,7 @@
         </p:nvSpPr>
         <p:spPr>
           <a:xfrm>
-            <a:off x="5933112" y="3904006"/>
+            <a:off x="5933112" y="3910671"/>
             <a:ext cx="280377" cy="219600"/>
           </a:xfrm>
           <a:prstGeom prst="rect">
@@ -7172,7 +7164,7 @@
         </p:nvSpPr>
         <p:spPr>
           <a:xfrm>
-            <a:off x="4165763" y="4738250"/>
+            <a:off x="4165763" y="4727740"/>
             <a:ext cx="149251" cy="216000"/>
           </a:xfrm>
           <a:prstGeom prst="rect">
@@ -7464,7 +7456,7 @@
         </p:nvSpPr>
         <p:spPr>
           <a:xfrm>
-            <a:off x="3572976" y="4734650"/>
+            <a:off x="3572976" y="4724140"/>
             <a:ext cx="592623" cy="219600"/>
           </a:xfrm>
           <a:prstGeom prst="rect">
@@ -7537,7 +7529,7 @@
         </p:nvSpPr>
         <p:spPr>
           <a:xfrm>
-            <a:off x="4309274" y="4734650"/>
+            <a:off x="4309274" y="4724140"/>
             <a:ext cx="592623" cy="219600"/>
           </a:xfrm>
           <a:prstGeom prst="rect">
@@ -7756,7 +7748,7 @@
         </p:nvSpPr>
         <p:spPr>
           <a:xfrm>
-            <a:off x="4901897" y="4738250"/>
+            <a:off x="4901897" y="4727740"/>
             <a:ext cx="149251" cy="216000"/>
           </a:xfrm>
           <a:prstGeom prst="rect">
@@ -7975,7 +7967,7 @@
         </p:nvSpPr>
         <p:spPr>
           <a:xfrm>
-            <a:off x="5356080" y="4734650"/>
+            <a:off x="5356080" y="4724140"/>
             <a:ext cx="592623" cy="219600"/>
           </a:xfrm>
           <a:prstGeom prst="rect">
@@ -8387,7 +8379,7 @@
         </p:nvCxnSpPr>
         <p:spPr>
           <a:xfrm>
-            <a:off x="5995960" y="4569328"/>
+            <a:off x="5995960" y="4558818"/>
             <a:ext cx="742402" cy="0"/>
           </a:xfrm>
           <a:prstGeom prst="straightConnector1">
@@ -8660,12 +8652,12 @@
         </p:nvCxnSpPr>
         <p:spPr>
           <a:xfrm rot="5400000" flipH="1" flipV="1">
-            <a:off x="3813348" y="3479230"/>
-            <a:ext cx="249571" cy="598755"/>
+            <a:off x="3809708" y="3482869"/>
+            <a:ext cx="256850" cy="598755"/>
           </a:xfrm>
           <a:prstGeom prst="curvedConnector3">
             <a:avLst>
-              <a:gd name="adj1" fmla="val 191597"/>
+              <a:gd name="adj1" fmla="val 189001"/>
             </a:avLst>
           </a:prstGeom>
           <a:ln w="22225">
@@ -8709,12 +8701,12 @@
         </p:nvCxnSpPr>
         <p:spPr>
           <a:xfrm rot="16200000" flipH="1">
-            <a:off x="4221529" y="3669802"/>
-            <a:ext cx="259977" cy="228015"/>
+            <a:off x="4223093" y="3668239"/>
+            <a:ext cx="256850" cy="228015"/>
           </a:xfrm>
           <a:prstGeom prst="curvedConnector3">
             <a:avLst>
-              <a:gd name="adj1" fmla="val -87931"/>
+              <a:gd name="adj1" fmla="val -89001"/>
             </a:avLst>
           </a:prstGeom>
           <a:ln w="22225">
